--- a/presentation/Jinterface.pptx
+++ b/presentation/Jinterface.pptx
@@ -298,7 +298,7 @@
           <a:p>
             <a:fld id="{914BF0E4-FA4B-4B62-9C34-9387192DE31D}" type="datetimeFigureOut">
               <a:rPr lang="pl-PL" smtClean="0"/>
-              <a:t>2014-01-08</a:t>
+              <a:t>2014-01-21</a:t>
             </a:fld>
             <a:endParaRPr lang="pl-PL"/>
           </a:p>
@@ -468,7 +468,7 @@
           <a:p>
             <a:fld id="{914BF0E4-FA4B-4B62-9C34-9387192DE31D}" type="datetimeFigureOut">
               <a:rPr lang="pl-PL" smtClean="0"/>
-              <a:t>2014-01-08</a:t>
+              <a:t>2014-01-21</a:t>
             </a:fld>
             <a:endParaRPr lang="pl-PL"/>
           </a:p>
@@ -648,7 +648,7 @@
           <a:p>
             <a:fld id="{914BF0E4-FA4B-4B62-9C34-9387192DE31D}" type="datetimeFigureOut">
               <a:rPr lang="pl-PL" smtClean="0"/>
-              <a:t>2014-01-08</a:t>
+              <a:t>2014-01-21</a:t>
             </a:fld>
             <a:endParaRPr lang="pl-PL"/>
           </a:p>
@@ -818,7 +818,7 @@
           <a:p>
             <a:fld id="{914BF0E4-FA4B-4B62-9C34-9387192DE31D}" type="datetimeFigureOut">
               <a:rPr lang="pl-PL" smtClean="0"/>
-              <a:t>2014-01-08</a:t>
+              <a:t>2014-01-21</a:t>
             </a:fld>
             <a:endParaRPr lang="pl-PL"/>
           </a:p>
@@ -1064,7 +1064,7 @@
           <a:p>
             <a:fld id="{914BF0E4-FA4B-4B62-9C34-9387192DE31D}" type="datetimeFigureOut">
               <a:rPr lang="pl-PL" smtClean="0"/>
-              <a:t>2014-01-08</a:t>
+              <a:t>2014-01-21</a:t>
             </a:fld>
             <a:endParaRPr lang="pl-PL"/>
           </a:p>
@@ -1352,7 +1352,7 @@
           <a:p>
             <a:fld id="{914BF0E4-FA4B-4B62-9C34-9387192DE31D}" type="datetimeFigureOut">
               <a:rPr lang="pl-PL" smtClean="0"/>
-              <a:t>2014-01-08</a:t>
+              <a:t>2014-01-21</a:t>
             </a:fld>
             <a:endParaRPr lang="pl-PL"/>
           </a:p>
@@ -1774,7 +1774,7 @@
           <a:p>
             <a:fld id="{914BF0E4-FA4B-4B62-9C34-9387192DE31D}" type="datetimeFigureOut">
               <a:rPr lang="pl-PL" smtClean="0"/>
-              <a:t>2014-01-08</a:t>
+              <a:t>2014-01-21</a:t>
             </a:fld>
             <a:endParaRPr lang="pl-PL"/>
           </a:p>
@@ -1892,7 +1892,7 @@
           <a:p>
             <a:fld id="{914BF0E4-FA4B-4B62-9C34-9387192DE31D}" type="datetimeFigureOut">
               <a:rPr lang="pl-PL" smtClean="0"/>
-              <a:t>2014-01-08</a:t>
+              <a:t>2014-01-21</a:t>
             </a:fld>
             <a:endParaRPr lang="pl-PL"/>
           </a:p>
@@ -1987,7 +1987,7 @@
           <a:p>
             <a:fld id="{914BF0E4-FA4B-4B62-9C34-9387192DE31D}" type="datetimeFigureOut">
               <a:rPr lang="pl-PL" smtClean="0"/>
-              <a:t>2014-01-08</a:t>
+              <a:t>2014-01-21</a:t>
             </a:fld>
             <a:endParaRPr lang="pl-PL"/>
           </a:p>
@@ -2264,7 +2264,7 @@
           <a:p>
             <a:fld id="{914BF0E4-FA4B-4B62-9C34-9387192DE31D}" type="datetimeFigureOut">
               <a:rPr lang="pl-PL" smtClean="0"/>
-              <a:t>2014-01-08</a:t>
+              <a:t>2014-01-21</a:t>
             </a:fld>
             <a:endParaRPr lang="pl-PL"/>
           </a:p>
@@ -2517,7 +2517,7 @@
           <a:p>
             <a:fld id="{914BF0E4-FA4B-4B62-9C34-9387192DE31D}" type="datetimeFigureOut">
               <a:rPr lang="pl-PL" smtClean="0"/>
-              <a:t>2014-01-08</a:t>
+              <a:t>2014-01-21</a:t>
             </a:fld>
             <a:endParaRPr lang="pl-PL"/>
           </a:p>
@@ -2730,7 +2730,7 @@
           <a:p>
             <a:fld id="{914BF0E4-FA4B-4B62-9C34-9387192DE31D}" type="datetimeFigureOut">
               <a:rPr lang="pl-PL" smtClean="0"/>
-              <a:t>2014-01-08</a:t>
+              <a:t>2014-01-21</a:t>
             </a:fld>
             <a:endParaRPr lang="pl-PL"/>
           </a:p>
@@ -3278,11 +3278,130 @@
             </a:r>
             <a:r>
               <a:rPr lang="pl-PL" dirty="0" smtClean="0"/>
+              <a:t> {</a:t>
+            </a:r>
+          </a:p>
+          <a:p>
+            <a:r>
+              <a:rPr lang="pl-PL" dirty="0" smtClean="0"/>
+              <a:t>	</a:t>
+            </a:r>
+            <a:r>
+              <a:rPr lang="pl-PL" dirty="0" err="1" smtClean="0"/>
+              <a:t>OtpNode</a:t>
+            </a:r>
+            <a:r>
+              <a:rPr lang="pl-PL" dirty="0" smtClean="0"/>
               <a:t> </a:t>
             </a:r>
             <a:r>
-              <a:rPr lang="pl-PL" dirty="0" smtClean="0"/>
-              <a:t>{</a:t>
+              <a:rPr lang="pl-PL" dirty="0" err="1" smtClean="0"/>
+              <a:t>self</a:t>
+            </a:r>
+            <a:r>
+              <a:rPr lang="pl-PL" dirty="0" smtClean="0"/>
+              <a:t> = </a:t>
+            </a:r>
+            <a:r>
+              <a:rPr lang="pl-PL" dirty="0" err="1" smtClean="0"/>
+              <a:t>new</a:t>
+            </a:r>
+            <a:r>
+              <a:rPr lang="pl-PL" dirty="0" smtClean="0"/>
+              <a:t> </a:t>
+            </a:r>
+            <a:r>
+              <a:rPr lang="pl-PL" dirty="0" err="1" smtClean="0"/>
+              <a:t>OtpNode</a:t>
+            </a:r>
+            <a:r>
+              <a:rPr lang="pl-PL" dirty="0" smtClean="0"/>
+              <a:t>(</a:t>
+            </a:r>
+            <a:r>
+              <a:rPr lang="pl-PL" dirty="0" err="1" smtClean="0"/>
+              <a:t>nodename</a:t>
+            </a:r>
+            <a:r>
+              <a:rPr lang="pl-PL" dirty="0" smtClean="0"/>
+              <a:t>);</a:t>
+            </a:r>
+          </a:p>
+          <a:p>
+            <a:r>
+              <a:rPr lang="pl-PL" dirty="0" smtClean="0"/>
+              <a:t>        	</a:t>
+            </a:r>
+            <a:r>
+              <a:rPr lang="pl-PL" dirty="0" err="1" smtClean="0"/>
+              <a:t>mbox</a:t>
+            </a:r>
+            <a:r>
+              <a:rPr lang="pl-PL" dirty="0" smtClean="0"/>
+              <a:t> = </a:t>
+            </a:r>
+            <a:r>
+              <a:rPr lang="pl-PL" dirty="0" err="1" smtClean="0"/>
+              <a:t>self.createMbox</a:t>
+            </a:r>
+            <a:r>
+              <a:rPr lang="pl-PL" dirty="0" smtClean="0"/>
+              <a:t>(</a:t>
+            </a:r>
+            <a:r>
+              <a:rPr lang="pl-PL" dirty="0" err="1" smtClean="0"/>
+              <a:t>boxname</a:t>
+            </a:r>
+            <a:r>
+              <a:rPr lang="pl-PL" dirty="0" smtClean="0"/>
+              <a:t>);	</a:t>
+            </a:r>
+          </a:p>
+          <a:p>
+            <a:r>
+              <a:rPr lang="pl-PL" dirty="0" smtClean="0"/>
+              <a:t>	}</a:t>
+            </a:r>
+          </a:p>
+          <a:p>
+            <a:endParaRPr lang="pl-PL" dirty="0" smtClean="0"/>
+          </a:p>
+          <a:p>
+            <a:r>
+              <a:rPr lang="pl-PL" dirty="0" smtClean="0"/>
+              <a:t>public </a:t>
+            </a:r>
+            <a:r>
+              <a:rPr lang="pl-PL" dirty="0" err="1" smtClean="0"/>
+              <a:t>static</a:t>
+            </a:r>
+            <a:r>
+              <a:rPr lang="pl-PL" dirty="0" smtClean="0"/>
+              <a:t> </a:t>
+            </a:r>
+            <a:r>
+              <a:rPr lang="pl-PL" dirty="0" err="1" smtClean="0"/>
+              <a:t>void</a:t>
+            </a:r>
+            <a:r>
+              <a:rPr lang="pl-PL" dirty="0" smtClean="0"/>
+              <a:t> </a:t>
+            </a:r>
+            <a:r>
+              <a:rPr lang="pl-PL" dirty="0" err="1" smtClean="0"/>
+              <a:t>main</a:t>
+            </a:r>
+            <a:r>
+              <a:rPr lang="pl-PL" dirty="0" smtClean="0"/>
+              <a:t> (String[] </a:t>
+            </a:r>
+            <a:r>
+              <a:rPr lang="pl-PL" dirty="0" err="1" smtClean="0"/>
+              <a:t>args</a:t>
+            </a:r>
+            <a:r>
+              <a:rPr lang="pl-PL" dirty="0" smtClean="0"/>
+              <a:t>) {</a:t>
             </a:r>
           </a:p>
           <a:p>
@@ -3292,7 +3411,7 @@
             </a:r>
             <a:r>
               <a:rPr lang="pl-PL" dirty="0" err="1" smtClean="0"/>
-              <a:t>OtpNode</a:t>
+              <a:t>new</a:t>
             </a:r>
             <a:r>
               <a:rPr lang="pl-PL" dirty="0" smtClean="0"/>
@@ -3300,148 +3419,17 @@
             </a:r>
             <a:r>
               <a:rPr lang="pl-PL" dirty="0" err="1" smtClean="0"/>
-              <a:t>self</a:t>
-            </a:r>
-            <a:r>
-              <a:rPr lang="pl-PL" dirty="0" smtClean="0"/>
-              <a:t> = </a:t>
-            </a:r>
-            <a:r>
-              <a:rPr lang="pl-PL" dirty="0" err="1" smtClean="0"/>
-              <a:t>new</a:t>
-            </a:r>
-            <a:r>
-              <a:rPr lang="pl-PL" dirty="0" smtClean="0"/>
-              <a:t> </a:t>
-            </a:r>
-            <a:r>
-              <a:rPr lang="pl-PL" dirty="0" err="1" smtClean="0"/>
-              <a:t>OtpNode</a:t>
-            </a:r>
-            <a:r>
-              <a:rPr lang="pl-PL" dirty="0" smtClean="0"/>
-              <a:t>(</a:t>
-            </a:r>
-            <a:r>
-              <a:rPr lang="pl-PL" dirty="0" err="1" smtClean="0"/>
-              <a:t>nodename</a:t>
-            </a:r>
-            <a:r>
-              <a:rPr lang="pl-PL" dirty="0" smtClean="0"/>
-              <a:t>);</a:t>
-            </a:r>
-          </a:p>
-          <a:p>
-            <a:r>
-              <a:rPr lang="pl-PL" dirty="0" smtClean="0"/>
-              <a:t>        	</a:t>
-            </a:r>
-            <a:r>
-              <a:rPr lang="pl-PL" dirty="0" err="1" smtClean="0"/>
-              <a:t>mbox</a:t>
-            </a:r>
-            <a:r>
-              <a:rPr lang="pl-PL" dirty="0" smtClean="0"/>
-              <a:t> = </a:t>
-            </a:r>
-            <a:r>
-              <a:rPr lang="pl-PL" dirty="0" err="1" smtClean="0"/>
-              <a:t>self.createMbox</a:t>
-            </a:r>
-            <a:r>
-              <a:rPr lang="pl-PL" dirty="0" smtClean="0"/>
-              <a:t>(</a:t>
-            </a:r>
-            <a:r>
-              <a:rPr lang="pl-PL" dirty="0" err="1" smtClean="0"/>
-              <a:t>boxname</a:t>
-            </a:r>
-            <a:r>
-              <a:rPr lang="pl-PL" dirty="0" smtClean="0"/>
-              <a:t>);	</a:t>
+              <a:t>JInt</a:t>
+            </a:r>
+            <a:r>
+              <a:rPr lang="pl-PL" dirty="0" smtClean="0"/>
+              <a:t>().start();</a:t>
             </a:r>
           </a:p>
           <a:p>
             <a:r>
               <a:rPr lang="pl-PL" dirty="0" smtClean="0"/>
               <a:t>	}</a:t>
-            </a:r>
-          </a:p>
-          <a:p>
-            <a:endParaRPr lang="pl-PL" dirty="0" smtClean="0"/>
-          </a:p>
-          <a:p>
-            <a:r>
-              <a:rPr lang="pl-PL" dirty="0" smtClean="0"/>
-              <a:t>public </a:t>
-            </a:r>
-            <a:r>
-              <a:rPr lang="pl-PL" dirty="0" err="1" smtClean="0"/>
-              <a:t>static</a:t>
-            </a:r>
-            <a:r>
-              <a:rPr lang="pl-PL" dirty="0" smtClean="0"/>
-              <a:t> </a:t>
-            </a:r>
-            <a:r>
-              <a:rPr lang="pl-PL" dirty="0" err="1" smtClean="0"/>
-              <a:t>void</a:t>
-            </a:r>
-            <a:r>
-              <a:rPr lang="pl-PL" dirty="0" smtClean="0"/>
-              <a:t> </a:t>
-            </a:r>
-            <a:r>
-              <a:rPr lang="pl-PL" dirty="0" err="1" smtClean="0"/>
-              <a:t>main</a:t>
-            </a:r>
-            <a:r>
-              <a:rPr lang="pl-PL" dirty="0" smtClean="0"/>
-              <a:t> (String[] </a:t>
-            </a:r>
-            <a:r>
-              <a:rPr lang="pl-PL" dirty="0" err="1" smtClean="0"/>
-              <a:t>args</a:t>
-            </a:r>
-            <a:r>
-              <a:rPr lang="pl-PL" dirty="0" smtClean="0"/>
-              <a:t>) </a:t>
-            </a:r>
-            <a:r>
-              <a:rPr lang="pl-PL" dirty="0" smtClean="0"/>
-              <a:t>{</a:t>
-            </a:r>
-          </a:p>
-          <a:p>
-            <a:r>
-              <a:rPr lang="pl-PL" dirty="0" smtClean="0"/>
-              <a:t>	</a:t>
-            </a:r>
-            <a:r>
-              <a:rPr lang="pl-PL" dirty="0" err="1" smtClean="0"/>
-              <a:t>new</a:t>
-            </a:r>
-            <a:r>
-              <a:rPr lang="pl-PL" dirty="0" smtClean="0"/>
-              <a:t> </a:t>
-            </a:r>
-            <a:r>
-              <a:rPr lang="pl-PL" dirty="0" err="1" smtClean="0"/>
-              <a:t>JInt</a:t>
-            </a:r>
-            <a:r>
-              <a:rPr lang="pl-PL" dirty="0" smtClean="0"/>
-              <a:t>().start();</a:t>
-            </a:r>
-          </a:p>
-          <a:p>
-            <a:r>
-              <a:rPr lang="pl-PL" dirty="0" smtClean="0"/>
-              <a:t>	</a:t>
-            </a:r>
-            <a:r>
-              <a:rPr lang="pl-PL" dirty="0" smtClean="0"/>
-              <a:t>}</a:t>
             </a:r>
           </a:p>
           <a:p>
@@ -3928,7 +3916,6 @@
               <a:rPr lang="pl-PL" dirty="0"/>
               <a:t>	}</a:t>
             </a:r>
-            <a:endParaRPr lang="pl-PL" dirty="0"/>
           </a:p>
         </p:txBody>
       </p:sp>
@@ -5707,7 +5694,11 @@
             </a:pPr>
             <a:r>
               <a:rPr lang="pl-PL" sz="2400" dirty="0" smtClean="0"/>
-              <a:t>Dodatkowo tworzymy węzeł </a:t>
+              <a:t>Dodatkowo </a:t>
+            </a:r>
+            <a:r>
+              <a:rPr lang="pl-PL" sz="2400" dirty="0" smtClean="0"/>
+              <a:t>otwieramy </a:t>
             </a:r>
             <a:r>
               <a:rPr lang="pl-PL" sz="2400" dirty="0" err="1" smtClean="0"/>
@@ -5715,7 +5706,11 @@
             </a:r>
             <a:r>
               <a:rPr lang="pl-PL" sz="2400" dirty="0" smtClean="0"/>
-              <a:t> i rejestrujemy go pod kolejną nazwą:</a:t>
+              <a:t> </a:t>
+            </a:r>
+            <a:r>
+              <a:rPr lang="pl-PL" sz="2400" dirty="0" smtClean="0"/>
+              <a:t>i rejestrujemy go pod kolejną nazwą:</a:t>
             </a:r>
           </a:p>
           <a:p>
@@ -5730,8 +5725,13 @@
             </a:pPr>
             <a:r>
               <a:rPr lang="pl-PL" sz="2400" dirty="0" smtClean="0"/>
-              <a:t>Stworzymy teraz prosty program, który następnie spróbujemy spingować</a:t>
-            </a:r>
+              <a:t>Stworzymy teraz prosty program, który następnie spróbujemy </a:t>
+            </a:r>
+            <a:r>
+              <a:rPr lang="pl-PL" sz="2400" dirty="0" smtClean="0"/>
+              <a:t>spingować pomiędzy Javą i Erlangiem</a:t>
+            </a:r>
+            <a:endParaRPr lang="pl-PL" sz="2400" dirty="0" smtClean="0"/>
           </a:p>
         </p:txBody>
       </p:sp>
@@ -6591,7 +6591,23 @@
             </a:pPr>
             <a:r>
               <a:rPr lang="pl-PL" sz="2400" dirty="0" smtClean="0"/>
-              <a:t>Pisząc skrzynkę należy skupić się na uwzględnieniu typów lub obiektów które Java może otrzymać od innego procesu </a:t>
+              <a:t>Pisząc skrzynkę należy skupić się na uwzględnieniu </a:t>
+            </a:r>
+            <a:r>
+              <a:rPr lang="pl-PL" sz="2400" dirty="0" smtClean="0"/>
+              <a:t>obiektów </a:t>
+            </a:r>
+            <a:r>
+              <a:rPr lang="pl-PL" sz="2400" dirty="0" smtClean="0"/>
+              <a:t>które Java może otrzymać od </a:t>
+            </a:r>
+            <a:r>
+              <a:rPr lang="pl-PL" sz="2400" dirty="0" smtClean="0"/>
+              <a:t>natywnego </a:t>
+            </a:r>
+            <a:r>
+              <a:rPr lang="pl-PL" sz="2400" dirty="0" smtClean="0"/>
+              <a:t>procesu </a:t>
             </a:r>
             <a:r>
               <a:rPr lang="pl-PL" sz="2400" dirty="0" err="1" smtClean="0"/>
